--- a/slides/CUDA 图像处理入门 - 1.pptx
+++ b/slides/CUDA 图像处理入门 - 1.pptx
@@ -206,7 +206,7 @@
           <a:p>
             <a:fld id="{E479B4A8-4442-4EFA-983E-4A3A47E7C37A}" type="datetimeFigureOut">
               <a:rPr lang="zh-CN" altLang="en-US" smtClean="0"/>
-              <a:t>2025/10/13</a:t>
+              <a:t>2025/10/18</a:t>
             </a:fld>
             <a:endParaRPr lang="zh-CN" altLang="en-US"/>
           </a:p>
@@ -980,7 +980,7 @@
           <a:p>
             <a:fld id="{791E7EED-2046-4448-A79D-DDD88A7B3F82}" type="datetimeFigureOut">
               <a:rPr lang="zh-CN" altLang="en-US" smtClean="0"/>
-              <a:t>2025/10/13</a:t>
+              <a:t>2025/10/18</a:t>
             </a:fld>
             <a:endParaRPr lang="zh-CN" altLang="en-US"/>
           </a:p>
@@ -1178,7 +1178,7 @@
           <a:p>
             <a:fld id="{791E7EED-2046-4448-A79D-DDD88A7B3F82}" type="datetimeFigureOut">
               <a:rPr lang="zh-CN" altLang="en-US" smtClean="0"/>
-              <a:t>2025/10/13</a:t>
+              <a:t>2025/10/18</a:t>
             </a:fld>
             <a:endParaRPr lang="zh-CN" altLang="en-US"/>
           </a:p>
@@ -1386,7 +1386,7 @@
           <a:p>
             <a:fld id="{791E7EED-2046-4448-A79D-DDD88A7B3F82}" type="datetimeFigureOut">
               <a:rPr lang="zh-CN" altLang="en-US" smtClean="0"/>
-              <a:t>2025/10/13</a:t>
+              <a:t>2025/10/18</a:t>
             </a:fld>
             <a:endParaRPr lang="zh-CN" altLang="en-US"/>
           </a:p>
@@ -1584,7 +1584,7 @@
           <a:p>
             <a:fld id="{791E7EED-2046-4448-A79D-DDD88A7B3F82}" type="datetimeFigureOut">
               <a:rPr lang="zh-CN" altLang="en-US" smtClean="0"/>
-              <a:t>2025/10/13</a:t>
+              <a:t>2025/10/18</a:t>
             </a:fld>
             <a:endParaRPr lang="zh-CN" altLang="en-US"/>
           </a:p>
@@ -1859,7 +1859,7 @@
           <a:p>
             <a:fld id="{791E7EED-2046-4448-A79D-DDD88A7B3F82}" type="datetimeFigureOut">
               <a:rPr lang="zh-CN" altLang="en-US" smtClean="0"/>
-              <a:t>2025/10/13</a:t>
+              <a:t>2025/10/18</a:t>
             </a:fld>
             <a:endParaRPr lang="zh-CN" altLang="en-US"/>
           </a:p>
@@ -2124,7 +2124,7 @@
           <a:p>
             <a:fld id="{791E7EED-2046-4448-A79D-DDD88A7B3F82}" type="datetimeFigureOut">
               <a:rPr lang="zh-CN" altLang="en-US" smtClean="0"/>
-              <a:t>2025/10/13</a:t>
+              <a:t>2025/10/18</a:t>
             </a:fld>
             <a:endParaRPr lang="zh-CN" altLang="en-US"/>
           </a:p>
@@ -2536,7 +2536,7 @@
           <a:p>
             <a:fld id="{791E7EED-2046-4448-A79D-DDD88A7B3F82}" type="datetimeFigureOut">
               <a:rPr lang="zh-CN" altLang="en-US" smtClean="0"/>
-              <a:t>2025/10/13</a:t>
+              <a:t>2025/10/18</a:t>
             </a:fld>
             <a:endParaRPr lang="zh-CN" altLang="en-US"/>
           </a:p>
@@ -2677,7 +2677,7 @@
           <a:p>
             <a:fld id="{791E7EED-2046-4448-A79D-DDD88A7B3F82}" type="datetimeFigureOut">
               <a:rPr lang="zh-CN" altLang="en-US" smtClean="0"/>
-              <a:t>2025/10/13</a:t>
+              <a:t>2025/10/18</a:t>
             </a:fld>
             <a:endParaRPr lang="zh-CN" altLang="en-US"/>
           </a:p>
@@ -2790,7 +2790,7 @@
           <a:p>
             <a:fld id="{791E7EED-2046-4448-A79D-DDD88A7B3F82}" type="datetimeFigureOut">
               <a:rPr lang="zh-CN" altLang="en-US" smtClean="0"/>
-              <a:t>2025/10/13</a:t>
+              <a:t>2025/10/18</a:t>
             </a:fld>
             <a:endParaRPr lang="zh-CN" altLang="en-US"/>
           </a:p>
@@ -3101,7 +3101,7 @@
           <a:p>
             <a:fld id="{791E7EED-2046-4448-A79D-DDD88A7B3F82}" type="datetimeFigureOut">
               <a:rPr lang="zh-CN" altLang="en-US" smtClean="0"/>
-              <a:t>2025/10/13</a:t>
+              <a:t>2025/10/18</a:t>
             </a:fld>
             <a:endParaRPr lang="zh-CN" altLang="en-US"/>
           </a:p>
@@ -3389,7 +3389,7 @@
           <a:p>
             <a:fld id="{791E7EED-2046-4448-A79D-DDD88A7B3F82}" type="datetimeFigureOut">
               <a:rPr lang="zh-CN" altLang="en-US" smtClean="0"/>
-              <a:t>2025/10/13</a:t>
+              <a:t>2025/10/18</a:t>
             </a:fld>
             <a:endParaRPr lang="zh-CN" altLang="en-US"/>
           </a:p>
@@ -3630,7 +3630,7 @@
           <a:p>
             <a:fld id="{791E7EED-2046-4448-A79D-DDD88A7B3F82}" type="datetimeFigureOut">
               <a:rPr lang="zh-CN" altLang="en-US" smtClean="0"/>
-              <a:t>2025/10/13</a:t>
+              <a:t>2025/10/18</a:t>
             </a:fld>
             <a:endParaRPr lang="zh-CN" altLang="en-US"/>
           </a:p>
@@ -4063,7 +4063,12 @@
             <p:ph type="ctrTitle"/>
           </p:nvPr>
         </p:nvSpPr>
-        <p:spPr/>
+        <p:spPr>
+          <a:xfrm>
+            <a:off x="1524000" y="2235200"/>
+            <a:ext cx="9144000" cy="2387600"/>
+          </a:xfrm>
+        </p:spPr>
         <p:txBody>
           <a:bodyPr/>
           <a:lstStyle/>
@@ -4076,6 +4081,14 @@
               <a:rPr lang="zh-CN" altLang="en-US" dirty="0"/>
               <a:t>图像处理入门</a:t>
             </a:r>
+            <a:br>
+              <a:rPr lang="en-US" altLang="zh-CN" dirty="0"/>
+            </a:br>
+            <a:r>
+              <a:rPr lang="en-US" altLang="zh-CN" dirty="0"/>
+              <a:t>01</a:t>
+            </a:r>
+            <a:endParaRPr lang="zh-CN" altLang="en-US" dirty="0"/>
           </a:p>
         </p:txBody>
       </p:sp>
@@ -4447,8 +4460,8 @@
           </a:p>
         </p:txBody>
       </p:sp>
-      <mc:AlternateContent xmlns:mc="http://schemas.openxmlformats.org/markup-compatibility/2006">
-        <mc:Choice xmlns:a14="http://schemas.microsoft.com/office/drawing/2010/main" Requires="a14">
+      <mc:AlternateContent xmlns:mc="http://schemas.openxmlformats.org/markup-compatibility/2006" xmlns:a14="http://schemas.microsoft.com/office/drawing/2010/main">
+        <mc:Choice Requires="a14">
           <p:sp>
             <p:nvSpPr>
               <p:cNvPr id="3" name="内容占位符 2">
@@ -4628,7 +4641,7 @@
             </p:txBody>
           </p:sp>
         </mc:Choice>
-        <mc:Fallback>
+        <mc:Fallback xmlns="">
           <p:sp>
             <p:nvSpPr>
               <p:cNvPr id="3" name="内容占位符 2">
